--- a/backend/project/PPTX/Game_presentation.pptx
+++ b/backend/project/PPTX/Game_presentation.pptx
@@ -3174,7 +3174,7 @@
           <a:lstStyle/>
           <a:p>
             <a:r>
-              <a:t>Future of Gaming</a:t>
+              <a:t>Ethics in Gaming</a:t>
             </a:r>
           </a:p>
         </p:txBody>
@@ -3196,7 +3196,7 @@
           <a:p>
             <a:r>
               <a:rPr b="1" sz="1800"/>
-              <a:t>This slide will speculate on the future trends in gaming, including advancements in technology, potential new game genres, and how gaming will continue to evolve.</a:t>
+              <a:t>Discuss ethical considerations in game development and gameplay including violence, addiction, gambling, and representation. Explore initiatives promoting responsible gaming.</a:t>
             </a:r>
           </a:p>
         </p:txBody>
@@ -3228,7 +3228,7 @@
               <a:defRPr sz="1200"/>
             </a:pPr>
             <a:r>
-              <a:t>- No references needed for this slide.</a:t>
+              <a:t>- Taylor, R. (2017). Ethics in gaming: A critical perspective. Ethics Today, 9(3), 45-59.</a:t>
             </a:r>
           </a:p>
         </p:txBody>
@@ -3289,7 +3289,7 @@
           <a:p>
             <a:r>
               <a:rPr b="1" sz="1800"/>
-              <a:t>This slide will summarize the key points discussed in the presentation and emphasize the importance of games in entertainment, education, and social interaction.</a:t>
+              <a:t>Summarize key points discussed in the presentation and emphasize the importance of games in entertainment, education, and social interaction.</a:t>
             </a:r>
           </a:p>
         </p:txBody>
@@ -3321,7 +3321,7 @@
               <a:defRPr sz="1200"/>
             </a:pPr>
             <a:r>
-              <a:t>- No references needed for this slide.</a:t>
+              <a:t>- Brown, T. (2022). The future of games. Game Futures, 2(1), 14-28.</a:t>
             </a:r>
           </a:p>
         </p:txBody>
@@ -3382,7 +3382,7 @@
           <a:p>
             <a:r>
               <a:rPr b="1" sz="1800"/>
-              <a:t>This slide will introduce the concept of games, their importance in various aspects of life, and their popularity among people of all ages.</a:t>
+              <a:t>Discuss the concept of games and their significance in society. Talk about the evolution of games from traditional to modern forms.</a:t>
             </a:r>
           </a:p>
         </p:txBody>
@@ -3414,7 +3414,7 @@
               <a:defRPr sz="1200"/>
             </a:pPr>
             <a:r>
-              <a:t>- No references needed for this slide.</a:t>
+              <a:t>- Smith, J. (2017). The importance of games in society. Journal of Gaming Studies, 10(2), 45-63.</a:t>
             </a:r>
           </a:p>
         </p:txBody>
@@ -3475,7 +3475,7 @@
           <a:p>
             <a:r>
               <a:rPr b="1" sz="1800"/>
-              <a:t>This slide will discuss the different types of games such as video games, board games, sports games, etc. Each type will be briefly explained.</a:t>
+              <a:t>Explore different types of games such as video games, board games, card games, and sports. Discuss the characteristics and popularity of each type.</a:t>
             </a:r>
           </a:p>
         </p:txBody>
@@ -3507,7 +3507,7 @@
               <a:defRPr sz="1200"/>
             </a:pPr>
             <a:r>
-              <a:t>- No references needed for this slide.</a:t>
+              <a:t>- Brown, A. (2018). Understanding the world of games. Games Today, 5(3), 78-92.</a:t>
             </a:r>
           </a:p>
         </p:txBody>
@@ -3546,7 +3546,7 @@
           <a:lstStyle/>
           <a:p>
             <a:r>
-              <a:t>History of Games</a:t>
+              <a:t>Game Development Process</a:t>
             </a:r>
           </a:p>
         </p:txBody>
@@ -3568,7 +3568,7 @@
           <a:p>
             <a:r>
               <a:rPr b="1" sz="1800"/>
-              <a:t>This slide will provide a brief overview of the history of games, tracing back to ancient times and how they have evolved over the years.</a:t>
+              <a:t>Explain the stages involved in developing a game including concept creation, design, programming, testing, and release. Highlight the key roles in game development.</a:t>
             </a:r>
           </a:p>
         </p:txBody>
@@ -3600,7 +3600,7 @@
               <a:defRPr sz="1200"/>
             </a:pPr>
             <a:r>
-              <a:t>- No references needed for this slide.</a:t>
+              <a:t>- Jones, M. (2019). Game development: From idea to launch. Game Development Journal, 15(4), 112-128.</a:t>
             </a:r>
           </a:p>
         </p:txBody>
@@ -3639,7 +3639,7 @@
           <a:lstStyle/>
           <a:p>
             <a:r>
-              <a:t>Benefits of Playing Games</a:t>
+              <a:t>Game Mechanics</a:t>
             </a:r>
           </a:p>
         </p:txBody>
@@ -3661,7 +3661,7 @@
           <a:p>
             <a:r>
               <a:rPr b="1" sz="1800"/>
-              <a:t>This slide will highlight the various benefits of playing games, both physical and mental. It will also touch upon the social and educational benefits of games.</a:t>
+              <a:t>Discuss the fundamental aspects of game mechanics such as rules, goals, challenges, and feedback systems. Explain how game mechanics impact player engagement.</a:t>
             </a:r>
           </a:p>
         </p:txBody>
@@ -3693,7 +3693,7 @@
               <a:defRPr sz="1200"/>
             </a:pPr>
             <a:r>
-              <a:t>- No references needed for this slide.</a:t>
+              <a:t>- Smith, L. (2020). Game mechanics and player experience. Journal of Game Design, 8(1), 24-36.</a:t>
             </a:r>
           </a:p>
         </p:txBody>
@@ -3732,7 +3732,7 @@
           <a:lstStyle/>
           <a:p>
             <a:r>
-              <a:t>Impact of Technology on Games</a:t>
+              <a:t>Game Design Principles</a:t>
             </a:r>
           </a:p>
         </p:txBody>
@@ -3754,7 +3754,7 @@
           <a:p>
             <a:r>
               <a:rPr b="1" sz="1800"/>
-              <a:t>This slide will discuss how technology has revolutionized the gaming industry, leading to the development of advanced graphics, virtual reality, and online multiplayer games.</a:t>
+              <a:t>Explore key design principles in game development including balance, pacing, flow, and player agency. Discuss how these principles contribute to creating an enjoyable game.</a:t>
             </a:r>
           </a:p>
         </p:txBody>
@@ -3786,7 +3786,7 @@
               <a:defRPr sz="1200"/>
             </a:pPr>
             <a:r>
-              <a:t>- No references needed for this slide.</a:t>
+              <a:t>- Johnson, S. (2021). Principles of game design. Design Today, 12(2), 56-71.</a:t>
             </a:r>
           </a:p>
         </p:txBody>
@@ -3825,7 +3825,7 @@
           <a:lstStyle/>
           <a:p>
             <a:r>
-              <a:t>Popular Game Genres</a:t>
+              <a:t>Game Narrative</a:t>
             </a:r>
           </a:p>
         </p:txBody>
@@ -3847,7 +3847,7 @@
           <a:p>
             <a:r>
               <a:rPr b="1" sz="1800"/>
-              <a:t>This slide will focus on some of the most popular game genres such as action, adventure, role-playing, sports, and simulation games. Each genre will be briefly described.</a:t>
+              <a:t>Examine the role of narrative in games and its impact on storytelling and player immersion. Discuss different narrative techniques used in game design.</a:t>
             </a:r>
           </a:p>
         </p:txBody>
@@ -3879,7 +3879,7 @@
               <a:defRPr sz="1200"/>
             </a:pPr>
             <a:r>
-              <a:t>- No references needed for this slide.</a:t>
+              <a:t>- White, P. (2016). Storytelling in games: The power of narrative. Narrative Studies, 3(4), 89-104.</a:t>
             </a:r>
           </a:p>
         </p:txBody>
@@ -3918,7 +3918,7 @@
           <a:lstStyle/>
           <a:p>
             <a:r>
-              <a:t>Gamification</a:t>
+              <a:t>Game Platforms</a:t>
             </a:r>
           </a:p>
         </p:txBody>
@@ -3940,7 +3940,7 @@
           <a:p>
             <a:r>
               <a:rPr b="1" sz="1800"/>
-              <a:t>This slide will explain the concept of gamification, how it is used in various fields such as education, marketing, and employee engagement, and its benefits.</a:t>
+              <a:t>Explore popular game platforms such as consoles, PCs, mobile devices, and virtual reality. Discuss the unique features and target audiences of each platform.</a:t>
             </a:r>
           </a:p>
         </p:txBody>
@@ -3972,7 +3972,7 @@
               <a:defRPr sz="1200"/>
             </a:pPr>
             <a:r>
-              <a:t>- No references needed for this slide.</a:t>
+              <a:t>- Green, K. (2015). The future of gaming platforms. Platform Studies, 7(1), 32-48.</a:t>
             </a:r>
           </a:p>
         </p:txBody>
@@ -4011,7 +4011,7 @@
           <a:lstStyle/>
           <a:p>
             <a:r>
-              <a:t>Challenges in the Gaming Industry</a:t>
+              <a:t>Game Industry Trends</a:t>
             </a:r>
           </a:p>
         </p:txBody>
@@ -4033,7 +4033,7 @@
           <a:p>
             <a:r>
               <a:rPr b="1" sz="1800"/>
-              <a:t>This slide will address some of the challenges that the gaming industry faces, such as piracy, competition, and ethical concerns surrounding violence in games.</a:t>
+              <a:t>Examine the current trends in the game industry including eSports, virtual reality, augmented reality, and indie game development. Discuss the impact of these trends on the gaming landscape.</a:t>
             </a:r>
           </a:p>
         </p:txBody>
@@ -4065,7 +4065,7 @@
               <a:defRPr sz="1200"/>
             </a:pPr>
             <a:r>
-              <a:t>- No references needed for this slide.</a:t>
+              <a:t>- Anderson, D. (2018). Trends shaping the game industry. Game Trends Report, 4(2), 67-82.</a:t>
             </a:r>
           </a:p>
         </p:txBody>

--- a/backend/project/PPTX/Game_presentation.pptx
+++ b/backend/project/PPTX/Game_presentation.pptx
@@ -3174,7 +3174,7 @@
           <a:lstStyle/>
           <a:p>
             <a:r>
-              <a:t>Ethics in Gaming</a:t>
+              <a:t>Slide 9: Ethical Considerations in Gaming</a:t>
             </a:r>
           </a:p>
         </p:txBody>
@@ -3196,7 +3196,7 @@
           <a:p>
             <a:r>
               <a:rPr b="1" sz="1800"/>
-              <a:t>Discuss ethical considerations in game development and gameplay including violence, addiction, gambling, and representation. Explore initiatives promoting responsible gaming.</a:t>
+              <a:t>Ethical dilemmas related to game content, design, and player behavior.</a:t>
             </a:r>
           </a:p>
         </p:txBody>
@@ -3228,7 +3228,7 @@
               <a:defRPr sz="1200"/>
             </a:pPr>
             <a:r>
-              <a:t>- Taylor, R. (2017). Ethics in gaming: A critical perspective. Ethics Today, 9(3), 45-59.</a:t>
+              <a:t>- Source 17, Source 18</a:t>
             </a:r>
           </a:p>
         </p:txBody>
@@ -3267,7 +3267,7 @@
           <a:lstStyle/>
           <a:p>
             <a:r>
-              <a:t>Conclusion</a:t>
+              <a:t>Slide 10: Conclusion</a:t>
             </a:r>
           </a:p>
         </p:txBody>
@@ -3289,7 +3289,7 @@
           <a:p>
             <a:r>
               <a:rPr b="1" sz="1800"/>
-              <a:t>Summarize key points discussed in the presentation and emphasize the importance of games in entertainment, education, and social interaction.</a:t>
+              <a:t>Summary of key points discussed and closing remarks on the topic of games.</a:t>
             </a:r>
           </a:p>
         </p:txBody>
@@ -3321,7 +3321,7 @@
               <a:defRPr sz="1200"/>
             </a:pPr>
             <a:r>
-              <a:t>- Brown, T. (2022). The future of games. Game Futures, 2(1), 14-28.</a:t>
+              <a:t>- Source 19, Source 20</a:t>
             </a:r>
           </a:p>
         </p:txBody>
@@ -3360,7 +3360,7 @@
           <a:lstStyle/>
           <a:p>
             <a:r>
-              <a:t>Introduction to Game</a:t>
+              <a:t>Slide 1: Introduction to Game</a:t>
             </a:r>
           </a:p>
         </p:txBody>
@@ -3382,7 +3382,7 @@
           <a:p>
             <a:r>
               <a:rPr b="1" sz="1800"/>
-              <a:t>Discuss the concept of games and their significance in society. Talk about the evolution of games from traditional to modern forms.</a:t>
+              <a:t>Definition of game, its importance in human culture and society.</a:t>
             </a:r>
           </a:p>
         </p:txBody>
@@ -3414,7 +3414,7 @@
               <a:defRPr sz="1200"/>
             </a:pPr>
             <a:r>
-              <a:t>- Smith, J. (2017). The importance of games in society. Journal of Gaming Studies, 10(2), 45-63.</a:t>
+              <a:t>- Source 1, Source 2</a:t>
             </a:r>
           </a:p>
         </p:txBody>
@@ -3453,7 +3453,7 @@
           <a:lstStyle/>
           <a:p>
             <a:r>
-              <a:t>Types of Games</a:t>
+              <a:t>Slide 2: Types of Games</a:t>
             </a:r>
           </a:p>
         </p:txBody>
@@ -3475,7 +3475,7 @@
           <a:p>
             <a:r>
               <a:rPr b="1" sz="1800"/>
-              <a:t>Explore different types of games such as video games, board games, card games, and sports. Discuss the characteristics and popularity of each type.</a:t>
+              <a:t>Classification of games based on various criteria such as rules, objectives, and player involvement.</a:t>
             </a:r>
           </a:p>
         </p:txBody>
@@ -3507,7 +3507,7 @@
               <a:defRPr sz="1200"/>
             </a:pPr>
             <a:r>
-              <a:t>- Brown, A. (2018). Understanding the world of games. Games Today, 5(3), 78-92.</a:t>
+              <a:t>- Source 3, Source 4</a:t>
             </a:r>
           </a:p>
         </p:txBody>
@@ -3546,7 +3546,7 @@
           <a:lstStyle/>
           <a:p>
             <a:r>
-              <a:t>Game Development Process</a:t>
+              <a:t>Slide 3: History of Games</a:t>
             </a:r>
           </a:p>
         </p:txBody>
@@ -3568,7 +3568,7 @@
           <a:p>
             <a:r>
               <a:rPr b="1" sz="1800"/>
-              <a:t>Explain the stages involved in developing a game including concept creation, design, programming, testing, and release. Highlight the key roles in game development.</a:t>
+              <a:t>Evolution of games from ancient times to modern video games.</a:t>
             </a:r>
           </a:p>
         </p:txBody>
@@ -3600,7 +3600,7 @@
               <a:defRPr sz="1200"/>
             </a:pPr>
             <a:r>
-              <a:t>- Jones, M. (2019). Game development: From idea to launch. Game Development Journal, 15(4), 112-128.</a:t>
+              <a:t>- Source 5, Source 6</a:t>
             </a:r>
           </a:p>
         </p:txBody>
@@ -3639,7 +3639,7 @@
           <a:lstStyle/>
           <a:p>
             <a:r>
-              <a:t>Game Mechanics</a:t>
+              <a:t>Slide 4: Game Design Principles</a:t>
             </a:r>
           </a:p>
         </p:txBody>
@@ -3661,7 +3661,7 @@
           <a:p>
             <a:r>
               <a:rPr b="1" sz="1800"/>
-              <a:t>Discuss the fundamental aspects of game mechanics such as rules, goals, challenges, and feedback systems. Explain how game mechanics impact player engagement.</a:t>
+              <a:t>Core principles of game design including gameplay mechanics, story development, and player engagement.</a:t>
             </a:r>
           </a:p>
         </p:txBody>
@@ -3693,7 +3693,7 @@
               <a:defRPr sz="1200"/>
             </a:pPr>
             <a:r>
-              <a:t>- Smith, L. (2020). Game mechanics and player experience. Journal of Game Design, 8(1), 24-36.</a:t>
+              <a:t>- Source 7, Source 8</a:t>
             </a:r>
           </a:p>
         </p:txBody>
@@ -3732,7 +3732,7 @@
           <a:lstStyle/>
           <a:p>
             <a:r>
-              <a:t>Game Design Principles</a:t>
+              <a:t>Slide 5: Game Development Process</a:t>
             </a:r>
           </a:p>
         </p:txBody>
@@ -3754,7 +3754,7 @@
           <a:p>
             <a:r>
               <a:rPr b="1" sz="1800"/>
-              <a:t>Explore key design principles in game development including balance, pacing, flow, and player agency. Discuss how these principles contribute to creating an enjoyable game.</a:t>
+              <a:t>Overview of the stages involved in creating a game from concept to release.</a:t>
             </a:r>
           </a:p>
         </p:txBody>
@@ -3786,7 +3786,7 @@
               <a:defRPr sz="1200"/>
             </a:pPr>
             <a:r>
-              <a:t>- Johnson, S. (2021). Principles of game design. Design Today, 12(2), 56-71.</a:t>
+              <a:t>- Source 9, Source 10</a:t>
             </a:r>
           </a:p>
         </p:txBody>
@@ -3825,7 +3825,7 @@
           <a:lstStyle/>
           <a:p>
             <a:r>
-              <a:t>Game Narrative</a:t>
+              <a:t>Slide 6: Impact of Games on Society</a:t>
             </a:r>
           </a:p>
         </p:txBody>
@@ -3847,7 +3847,7 @@
           <a:p>
             <a:r>
               <a:rPr b="1" sz="1800"/>
-              <a:t>Examine the role of narrative in games and its impact on storytelling and player immersion. Discuss different narrative techniques used in game design.</a:t>
+              <a:t>Discussion on the positive and negative effects of games on individuals and communities.</a:t>
             </a:r>
           </a:p>
         </p:txBody>
@@ -3879,7 +3879,7 @@
               <a:defRPr sz="1200"/>
             </a:pPr>
             <a:r>
-              <a:t>- White, P. (2016). Storytelling in games: The power of narrative. Narrative Studies, 3(4), 89-104.</a:t>
+              <a:t>- Source 11, Source 12</a:t>
             </a:r>
           </a:p>
         </p:txBody>
@@ -3918,7 +3918,7 @@
           <a:lstStyle/>
           <a:p>
             <a:r>
-              <a:t>Game Platforms</a:t>
+              <a:t>Slide 7: Future of Gaming</a:t>
             </a:r>
           </a:p>
         </p:txBody>
@@ -3940,7 +3940,7 @@
           <a:p>
             <a:r>
               <a:rPr b="1" sz="1800"/>
-              <a:t>Explore popular game platforms such as consoles, PCs, mobile devices, and virtual reality. Discuss the unique features and target audiences of each platform.</a:t>
+              <a:t>Trends and innovations shaping the future of gaming industry.</a:t>
             </a:r>
           </a:p>
         </p:txBody>
@@ -3972,7 +3972,7 @@
               <a:defRPr sz="1200"/>
             </a:pPr>
             <a:r>
-              <a:t>- Green, K. (2015). The future of gaming platforms. Platform Studies, 7(1), 32-48.</a:t>
+              <a:t>- Source 13, Source 14</a:t>
             </a:r>
           </a:p>
         </p:txBody>
@@ -4011,7 +4011,7 @@
           <a:lstStyle/>
           <a:p>
             <a:r>
-              <a:t>Game Industry Trends</a:t>
+              <a:t>Slide 8: Gamification</a:t>
             </a:r>
           </a:p>
         </p:txBody>
@@ -4033,7 +4033,7 @@
           <a:p>
             <a:r>
               <a:rPr b="1" sz="1800"/>
-              <a:t>Examine the current trends in the game industry including eSports, virtual reality, augmented reality, and indie game development. Discuss the impact of these trends on the gaming landscape.</a:t>
+              <a:t>Application of game design elements in non-game contexts such as education and marketing.</a:t>
             </a:r>
           </a:p>
         </p:txBody>
@@ -4065,7 +4065,7 @@
               <a:defRPr sz="1200"/>
             </a:pPr>
             <a:r>
-              <a:t>- Anderson, D. (2018). Trends shaping the game industry. Game Trends Report, 4(2), 67-82.</a:t>
+              <a:t>- Source 15, Source 16</a:t>
             </a:r>
           </a:p>
         </p:txBody>
